--- a/test.pptx
+++ b/test.pptx
@@ -6,6 +6,7 @@
   </p:sldMasterIdLst>
   <p:sldIdLst>
     <p:sldId id="256" r:id="rId2"/>
+    <p:sldId id="257" r:id="rId3"/>
   </p:sldIdLst>
   <p:sldSz cx="12192000" cy="6858000"/>
   <p:notesSz cx="6858000" cy="9144000"/>
@@ -129,7 +130,7 @@
           <p:cNvPr id="2" name="Title 1">
             <a:extLst>
               <a:ext uri="{FF2B5EF4-FFF2-40B4-BE49-F238E27FC236}">
-                <a16:creationId xmlns:a16="http://schemas.microsoft.com/office/drawing/2014/main" id="{2448C3F7-43A6-4955-A67C-0AAE17900F97}"/>
+                <a16:creationId xmlns:a16="http://schemas.microsoft.com/office/drawing/2014/main" xmlns="" id="{2448C3F7-43A6-4955-A67C-0AAE17900F97}"/>
               </a:ext>
             </a:extLst>
           </p:cNvPr>
@@ -166,7 +167,7 @@
           <p:cNvPr id="3" name="Subtitle 2">
             <a:extLst>
               <a:ext uri="{FF2B5EF4-FFF2-40B4-BE49-F238E27FC236}">
-                <a16:creationId xmlns:a16="http://schemas.microsoft.com/office/drawing/2014/main" id="{5AD7A471-3422-42C1-8F24-C6AC7944464B}"/>
+                <a16:creationId xmlns:a16="http://schemas.microsoft.com/office/drawing/2014/main" xmlns="" id="{5AD7A471-3422-42C1-8F24-C6AC7944464B}"/>
               </a:ext>
             </a:extLst>
           </p:cNvPr>
@@ -236,7 +237,7 @@
           <p:cNvPr id="4" name="Date Placeholder 3">
             <a:extLst>
               <a:ext uri="{FF2B5EF4-FFF2-40B4-BE49-F238E27FC236}">
-                <a16:creationId xmlns:a16="http://schemas.microsoft.com/office/drawing/2014/main" id="{D9883EB0-96A8-4905-A7FA-9D9C582532E4}"/>
+                <a16:creationId xmlns:a16="http://schemas.microsoft.com/office/drawing/2014/main" xmlns="" id="{D9883EB0-96A8-4905-A7FA-9D9C582532E4}"/>
               </a:ext>
             </a:extLst>
           </p:cNvPr>
@@ -254,7 +255,7 @@
           <a:p>
             <a:fld id="{11950F3C-52CE-4DA5-BBEA-F1D949C25EB6}" type="datetimeFigureOut">
               <a:rPr lang="en-US" smtClean="0"/>
-              <a:t>1/7/2019</a:t>
+              <a:t>1/6/19</a:t>
             </a:fld>
             <a:endParaRPr lang="en-US"/>
           </a:p>
@@ -265,7 +266,7 @@
           <p:cNvPr id="5" name="Footer Placeholder 4">
             <a:extLst>
               <a:ext uri="{FF2B5EF4-FFF2-40B4-BE49-F238E27FC236}">
-                <a16:creationId xmlns:a16="http://schemas.microsoft.com/office/drawing/2014/main" id="{CF13AB70-C10A-4ECC-A8CF-0CA14FF12D35}"/>
+                <a16:creationId xmlns:a16="http://schemas.microsoft.com/office/drawing/2014/main" xmlns="" id="{CF13AB70-C10A-4ECC-A8CF-0CA14FF12D35}"/>
               </a:ext>
             </a:extLst>
           </p:cNvPr>
@@ -290,7 +291,7 @@
           <p:cNvPr id="6" name="Slide Number Placeholder 5">
             <a:extLst>
               <a:ext uri="{FF2B5EF4-FFF2-40B4-BE49-F238E27FC236}">
-                <a16:creationId xmlns:a16="http://schemas.microsoft.com/office/drawing/2014/main" id="{74D57814-4DC4-4C94-A9EE-47423A2FCAA4}"/>
+                <a16:creationId xmlns:a16="http://schemas.microsoft.com/office/drawing/2014/main" xmlns="" id="{74D57814-4DC4-4C94-A9EE-47423A2FCAA4}"/>
               </a:ext>
             </a:extLst>
           </p:cNvPr>
@@ -349,7 +350,7 @@
           <p:cNvPr id="2" name="Title 1">
             <a:extLst>
               <a:ext uri="{FF2B5EF4-FFF2-40B4-BE49-F238E27FC236}">
-                <a16:creationId xmlns:a16="http://schemas.microsoft.com/office/drawing/2014/main" id="{85517B99-AB35-4498-B97E-5A46815F8C64}"/>
+                <a16:creationId xmlns:a16="http://schemas.microsoft.com/office/drawing/2014/main" xmlns="" id="{85517B99-AB35-4498-B97E-5A46815F8C64}"/>
               </a:ext>
             </a:extLst>
           </p:cNvPr>
@@ -377,7 +378,7 @@
           <p:cNvPr id="3" name="Vertical Text Placeholder 2">
             <a:extLst>
               <a:ext uri="{FF2B5EF4-FFF2-40B4-BE49-F238E27FC236}">
-                <a16:creationId xmlns:a16="http://schemas.microsoft.com/office/drawing/2014/main" id="{813F68D0-A037-4AB6-9CCC-781E7FCBD84F}"/>
+                <a16:creationId xmlns:a16="http://schemas.microsoft.com/office/drawing/2014/main" xmlns="" id="{813F68D0-A037-4AB6-9CCC-781E7FCBD84F}"/>
               </a:ext>
             </a:extLst>
           </p:cNvPr>
@@ -434,7 +435,7 @@
           <p:cNvPr id="4" name="Date Placeholder 3">
             <a:extLst>
               <a:ext uri="{FF2B5EF4-FFF2-40B4-BE49-F238E27FC236}">
-                <a16:creationId xmlns:a16="http://schemas.microsoft.com/office/drawing/2014/main" id="{BDD10BBF-35B8-4D89-B39F-A3A181F86F34}"/>
+                <a16:creationId xmlns:a16="http://schemas.microsoft.com/office/drawing/2014/main" xmlns="" id="{BDD10BBF-35B8-4D89-B39F-A3A181F86F34}"/>
               </a:ext>
             </a:extLst>
           </p:cNvPr>
@@ -452,7 +453,7 @@
           <a:p>
             <a:fld id="{11950F3C-52CE-4DA5-BBEA-F1D949C25EB6}" type="datetimeFigureOut">
               <a:rPr lang="en-US" smtClean="0"/>
-              <a:t>1/7/2019</a:t>
+              <a:t>1/6/19</a:t>
             </a:fld>
             <a:endParaRPr lang="en-US"/>
           </a:p>
@@ -463,7 +464,7 @@
           <p:cNvPr id="5" name="Footer Placeholder 4">
             <a:extLst>
               <a:ext uri="{FF2B5EF4-FFF2-40B4-BE49-F238E27FC236}">
-                <a16:creationId xmlns:a16="http://schemas.microsoft.com/office/drawing/2014/main" id="{16E29020-075F-4245-BE65-E575C9EE342C}"/>
+                <a16:creationId xmlns:a16="http://schemas.microsoft.com/office/drawing/2014/main" xmlns="" id="{16E29020-075F-4245-BE65-E575C9EE342C}"/>
               </a:ext>
             </a:extLst>
           </p:cNvPr>
@@ -488,7 +489,7 @@
           <p:cNvPr id="6" name="Slide Number Placeholder 5">
             <a:extLst>
               <a:ext uri="{FF2B5EF4-FFF2-40B4-BE49-F238E27FC236}">
-                <a16:creationId xmlns:a16="http://schemas.microsoft.com/office/drawing/2014/main" id="{ACF44E5A-1D92-4A9C-8BA6-508DA71D74F8}"/>
+                <a16:creationId xmlns:a16="http://schemas.microsoft.com/office/drawing/2014/main" xmlns="" id="{ACF44E5A-1D92-4A9C-8BA6-508DA71D74F8}"/>
               </a:ext>
             </a:extLst>
           </p:cNvPr>
@@ -547,7 +548,7 @@
           <p:cNvPr id="2" name="Vertical Title 1">
             <a:extLst>
               <a:ext uri="{FF2B5EF4-FFF2-40B4-BE49-F238E27FC236}">
-                <a16:creationId xmlns:a16="http://schemas.microsoft.com/office/drawing/2014/main" id="{E07202DE-2F30-4635-9999-4B738C306275}"/>
+                <a16:creationId xmlns:a16="http://schemas.microsoft.com/office/drawing/2014/main" xmlns="" id="{E07202DE-2F30-4635-9999-4B738C306275}"/>
               </a:ext>
             </a:extLst>
           </p:cNvPr>
@@ -580,7 +581,7 @@
           <p:cNvPr id="3" name="Vertical Text Placeholder 2">
             <a:extLst>
               <a:ext uri="{FF2B5EF4-FFF2-40B4-BE49-F238E27FC236}">
-                <a16:creationId xmlns:a16="http://schemas.microsoft.com/office/drawing/2014/main" id="{92A50509-7DDE-4802-9DF0-178A234D758E}"/>
+                <a16:creationId xmlns:a16="http://schemas.microsoft.com/office/drawing/2014/main" xmlns="" id="{92A50509-7DDE-4802-9DF0-178A234D758E}"/>
               </a:ext>
             </a:extLst>
           </p:cNvPr>
@@ -642,7 +643,7 @@
           <p:cNvPr id="4" name="Date Placeholder 3">
             <a:extLst>
               <a:ext uri="{FF2B5EF4-FFF2-40B4-BE49-F238E27FC236}">
-                <a16:creationId xmlns:a16="http://schemas.microsoft.com/office/drawing/2014/main" id="{F80C318B-0702-4958-92F3-77CFB95E13E5}"/>
+                <a16:creationId xmlns:a16="http://schemas.microsoft.com/office/drawing/2014/main" xmlns="" id="{F80C318B-0702-4958-92F3-77CFB95E13E5}"/>
               </a:ext>
             </a:extLst>
           </p:cNvPr>
@@ -660,7 +661,7 @@
           <a:p>
             <a:fld id="{11950F3C-52CE-4DA5-BBEA-F1D949C25EB6}" type="datetimeFigureOut">
               <a:rPr lang="en-US" smtClean="0"/>
-              <a:t>1/7/2019</a:t>
+              <a:t>1/6/19</a:t>
             </a:fld>
             <a:endParaRPr lang="en-US"/>
           </a:p>
@@ -671,7 +672,7 @@
           <p:cNvPr id="5" name="Footer Placeholder 4">
             <a:extLst>
               <a:ext uri="{FF2B5EF4-FFF2-40B4-BE49-F238E27FC236}">
-                <a16:creationId xmlns:a16="http://schemas.microsoft.com/office/drawing/2014/main" id="{5C02EE28-D8E3-42C1-BB87-EC1257B26807}"/>
+                <a16:creationId xmlns:a16="http://schemas.microsoft.com/office/drawing/2014/main" xmlns="" id="{5C02EE28-D8E3-42C1-BB87-EC1257B26807}"/>
               </a:ext>
             </a:extLst>
           </p:cNvPr>
@@ -696,7 +697,7 @@
           <p:cNvPr id="6" name="Slide Number Placeholder 5">
             <a:extLst>
               <a:ext uri="{FF2B5EF4-FFF2-40B4-BE49-F238E27FC236}">
-                <a16:creationId xmlns:a16="http://schemas.microsoft.com/office/drawing/2014/main" id="{8EFCD9DD-F5FE-43D0-982E-AEBF02DD9FE2}"/>
+                <a16:creationId xmlns:a16="http://schemas.microsoft.com/office/drawing/2014/main" xmlns="" id="{8EFCD9DD-F5FE-43D0-982E-AEBF02DD9FE2}"/>
               </a:ext>
             </a:extLst>
           </p:cNvPr>
@@ -755,7 +756,7 @@
           <p:cNvPr id="2" name="Title 1">
             <a:extLst>
               <a:ext uri="{FF2B5EF4-FFF2-40B4-BE49-F238E27FC236}">
-                <a16:creationId xmlns:a16="http://schemas.microsoft.com/office/drawing/2014/main" id="{0E35BFF5-2DC0-455D-BFD5-C19E3878B4C2}"/>
+                <a16:creationId xmlns:a16="http://schemas.microsoft.com/office/drawing/2014/main" xmlns="" id="{0E35BFF5-2DC0-455D-BFD5-C19E3878B4C2}"/>
               </a:ext>
             </a:extLst>
           </p:cNvPr>
@@ -783,7 +784,7 @@
           <p:cNvPr id="3" name="Content Placeholder 2">
             <a:extLst>
               <a:ext uri="{FF2B5EF4-FFF2-40B4-BE49-F238E27FC236}">
-                <a16:creationId xmlns:a16="http://schemas.microsoft.com/office/drawing/2014/main" id="{1812D035-8CFA-4614-8F30-922B2ABD0E5F}"/>
+                <a16:creationId xmlns:a16="http://schemas.microsoft.com/office/drawing/2014/main" xmlns="" id="{1812D035-8CFA-4614-8F30-922B2ABD0E5F}"/>
               </a:ext>
             </a:extLst>
           </p:cNvPr>
@@ -840,7 +841,7 @@
           <p:cNvPr id="4" name="Date Placeholder 3">
             <a:extLst>
               <a:ext uri="{FF2B5EF4-FFF2-40B4-BE49-F238E27FC236}">
-                <a16:creationId xmlns:a16="http://schemas.microsoft.com/office/drawing/2014/main" id="{9CCD8294-6ADA-487E-829C-FB95845DCC72}"/>
+                <a16:creationId xmlns:a16="http://schemas.microsoft.com/office/drawing/2014/main" xmlns="" id="{9CCD8294-6ADA-487E-829C-FB95845DCC72}"/>
               </a:ext>
             </a:extLst>
           </p:cNvPr>
@@ -858,7 +859,7 @@
           <a:p>
             <a:fld id="{11950F3C-52CE-4DA5-BBEA-F1D949C25EB6}" type="datetimeFigureOut">
               <a:rPr lang="en-US" smtClean="0"/>
-              <a:t>1/7/2019</a:t>
+              <a:t>1/6/19</a:t>
             </a:fld>
             <a:endParaRPr lang="en-US"/>
           </a:p>
@@ -869,7 +870,7 @@
           <p:cNvPr id="5" name="Footer Placeholder 4">
             <a:extLst>
               <a:ext uri="{FF2B5EF4-FFF2-40B4-BE49-F238E27FC236}">
-                <a16:creationId xmlns:a16="http://schemas.microsoft.com/office/drawing/2014/main" id="{70EDAFEF-B20C-41EC-8E12-855112090298}"/>
+                <a16:creationId xmlns:a16="http://schemas.microsoft.com/office/drawing/2014/main" xmlns="" id="{70EDAFEF-B20C-41EC-8E12-855112090298}"/>
               </a:ext>
             </a:extLst>
           </p:cNvPr>
@@ -894,7 +895,7 @@
           <p:cNvPr id="6" name="Slide Number Placeholder 5">
             <a:extLst>
               <a:ext uri="{FF2B5EF4-FFF2-40B4-BE49-F238E27FC236}">
-                <a16:creationId xmlns:a16="http://schemas.microsoft.com/office/drawing/2014/main" id="{83840DD5-47C4-4A99-8CBD-C6B32A01D19D}"/>
+                <a16:creationId xmlns:a16="http://schemas.microsoft.com/office/drawing/2014/main" xmlns="" id="{83840DD5-47C4-4A99-8CBD-C6B32A01D19D}"/>
               </a:ext>
             </a:extLst>
           </p:cNvPr>
@@ -953,7 +954,7 @@
           <p:cNvPr id="2" name="Title 1">
             <a:extLst>
               <a:ext uri="{FF2B5EF4-FFF2-40B4-BE49-F238E27FC236}">
-                <a16:creationId xmlns:a16="http://schemas.microsoft.com/office/drawing/2014/main" id="{B58ABF11-F856-44FA-999A-C0AE783F55BC}"/>
+                <a16:creationId xmlns:a16="http://schemas.microsoft.com/office/drawing/2014/main" xmlns="" id="{B58ABF11-F856-44FA-999A-C0AE783F55BC}"/>
               </a:ext>
             </a:extLst>
           </p:cNvPr>
@@ -990,7 +991,7 @@
           <p:cNvPr id="3" name="Text Placeholder 2">
             <a:extLst>
               <a:ext uri="{FF2B5EF4-FFF2-40B4-BE49-F238E27FC236}">
-                <a16:creationId xmlns:a16="http://schemas.microsoft.com/office/drawing/2014/main" id="{243FAC78-1507-49A0-B7FE-2EA186B168FE}"/>
+                <a16:creationId xmlns:a16="http://schemas.microsoft.com/office/drawing/2014/main" xmlns="" id="{243FAC78-1507-49A0-B7FE-2EA186B168FE}"/>
               </a:ext>
             </a:extLst>
           </p:cNvPr>
@@ -1115,7 +1116,7 @@
           <p:cNvPr id="4" name="Date Placeholder 3">
             <a:extLst>
               <a:ext uri="{FF2B5EF4-FFF2-40B4-BE49-F238E27FC236}">
-                <a16:creationId xmlns:a16="http://schemas.microsoft.com/office/drawing/2014/main" id="{C7C110E0-172B-4B7C-B51D-D883485FE944}"/>
+                <a16:creationId xmlns:a16="http://schemas.microsoft.com/office/drawing/2014/main" xmlns="" id="{C7C110E0-172B-4B7C-B51D-D883485FE944}"/>
               </a:ext>
             </a:extLst>
           </p:cNvPr>
@@ -1133,7 +1134,7 @@
           <a:p>
             <a:fld id="{11950F3C-52CE-4DA5-BBEA-F1D949C25EB6}" type="datetimeFigureOut">
               <a:rPr lang="en-US" smtClean="0"/>
-              <a:t>1/7/2019</a:t>
+              <a:t>1/6/19</a:t>
             </a:fld>
             <a:endParaRPr lang="en-US"/>
           </a:p>
@@ -1144,7 +1145,7 @@
           <p:cNvPr id="5" name="Footer Placeholder 4">
             <a:extLst>
               <a:ext uri="{FF2B5EF4-FFF2-40B4-BE49-F238E27FC236}">
-                <a16:creationId xmlns:a16="http://schemas.microsoft.com/office/drawing/2014/main" id="{0E3297A8-C684-4CA8-A1EB-21D87C45909E}"/>
+                <a16:creationId xmlns:a16="http://schemas.microsoft.com/office/drawing/2014/main" xmlns="" id="{0E3297A8-C684-4CA8-A1EB-21D87C45909E}"/>
               </a:ext>
             </a:extLst>
           </p:cNvPr>
@@ -1169,7 +1170,7 @@
           <p:cNvPr id="6" name="Slide Number Placeholder 5">
             <a:extLst>
               <a:ext uri="{FF2B5EF4-FFF2-40B4-BE49-F238E27FC236}">
-                <a16:creationId xmlns:a16="http://schemas.microsoft.com/office/drawing/2014/main" id="{79E01672-370B-45A0-B429-768CBF776AFA}"/>
+                <a16:creationId xmlns:a16="http://schemas.microsoft.com/office/drawing/2014/main" xmlns="" id="{79E01672-370B-45A0-B429-768CBF776AFA}"/>
               </a:ext>
             </a:extLst>
           </p:cNvPr>
@@ -1228,7 +1229,7 @@
           <p:cNvPr id="2" name="Title 1">
             <a:extLst>
               <a:ext uri="{FF2B5EF4-FFF2-40B4-BE49-F238E27FC236}">
-                <a16:creationId xmlns:a16="http://schemas.microsoft.com/office/drawing/2014/main" id="{A8390DD1-06DD-417C-A42E-D5084B3387E9}"/>
+                <a16:creationId xmlns:a16="http://schemas.microsoft.com/office/drawing/2014/main" xmlns="" id="{A8390DD1-06DD-417C-A42E-D5084B3387E9}"/>
               </a:ext>
             </a:extLst>
           </p:cNvPr>
@@ -1256,7 +1257,7 @@
           <p:cNvPr id="3" name="Content Placeholder 2">
             <a:extLst>
               <a:ext uri="{FF2B5EF4-FFF2-40B4-BE49-F238E27FC236}">
-                <a16:creationId xmlns:a16="http://schemas.microsoft.com/office/drawing/2014/main" id="{2291C809-AA63-427D-B4F8-78C7771D5AC7}"/>
+                <a16:creationId xmlns:a16="http://schemas.microsoft.com/office/drawing/2014/main" xmlns="" id="{2291C809-AA63-427D-B4F8-78C7771D5AC7}"/>
               </a:ext>
             </a:extLst>
           </p:cNvPr>
@@ -1318,7 +1319,7 @@
           <p:cNvPr id="4" name="Content Placeholder 3">
             <a:extLst>
               <a:ext uri="{FF2B5EF4-FFF2-40B4-BE49-F238E27FC236}">
-                <a16:creationId xmlns:a16="http://schemas.microsoft.com/office/drawing/2014/main" id="{0CEE9282-6EDA-4CB8-9729-A0C2392BB016}"/>
+                <a16:creationId xmlns:a16="http://schemas.microsoft.com/office/drawing/2014/main" xmlns="" id="{0CEE9282-6EDA-4CB8-9729-A0C2392BB016}"/>
               </a:ext>
             </a:extLst>
           </p:cNvPr>
@@ -1380,7 +1381,7 @@
           <p:cNvPr id="5" name="Date Placeholder 4">
             <a:extLst>
               <a:ext uri="{FF2B5EF4-FFF2-40B4-BE49-F238E27FC236}">
-                <a16:creationId xmlns:a16="http://schemas.microsoft.com/office/drawing/2014/main" id="{587EB7C4-1180-4AB4-BDC3-701066EC7AC8}"/>
+                <a16:creationId xmlns:a16="http://schemas.microsoft.com/office/drawing/2014/main" xmlns="" id="{587EB7C4-1180-4AB4-BDC3-701066EC7AC8}"/>
               </a:ext>
             </a:extLst>
           </p:cNvPr>
@@ -1398,7 +1399,7 @@
           <a:p>
             <a:fld id="{11950F3C-52CE-4DA5-BBEA-F1D949C25EB6}" type="datetimeFigureOut">
               <a:rPr lang="en-US" smtClean="0"/>
-              <a:t>1/7/2019</a:t>
+              <a:t>1/6/19</a:t>
             </a:fld>
             <a:endParaRPr lang="en-US"/>
           </a:p>
@@ -1409,7 +1410,7 @@
           <p:cNvPr id="6" name="Footer Placeholder 5">
             <a:extLst>
               <a:ext uri="{FF2B5EF4-FFF2-40B4-BE49-F238E27FC236}">
-                <a16:creationId xmlns:a16="http://schemas.microsoft.com/office/drawing/2014/main" id="{80FFE2BE-9CC9-448F-9316-8A7435BC3882}"/>
+                <a16:creationId xmlns:a16="http://schemas.microsoft.com/office/drawing/2014/main" xmlns="" id="{80FFE2BE-9CC9-448F-9316-8A7435BC3882}"/>
               </a:ext>
             </a:extLst>
           </p:cNvPr>
@@ -1434,7 +1435,7 @@
           <p:cNvPr id="7" name="Slide Number Placeholder 6">
             <a:extLst>
               <a:ext uri="{FF2B5EF4-FFF2-40B4-BE49-F238E27FC236}">
-                <a16:creationId xmlns:a16="http://schemas.microsoft.com/office/drawing/2014/main" id="{96D772A6-D24A-4C41-B435-A6CED6C3B126}"/>
+                <a16:creationId xmlns:a16="http://schemas.microsoft.com/office/drawing/2014/main" xmlns="" id="{96D772A6-D24A-4C41-B435-A6CED6C3B126}"/>
               </a:ext>
             </a:extLst>
           </p:cNvPr>
@@ -1493,7 +1494,7 @@
           <p:cNvPr id="2" name="Title 1">
             <a:extLst>
               <a:ext uri="{FF2B5EF4-FFF2-40B4-BE49-F238E27FC236}">
-                <a16:creationId xmlns:a16="http://schemas.microsoft.com/office/drawing/2014/main" id="{1C48D936-BEBE-45CC-9DC6-1727F40AD9D6}"/>
+                <a16:creationId xmlns:a16="http://schemas.microsoft.com/office/drawing/2014/main" xmlns="" id="{1C48D936-BEBE-45CC-9DC6-1727F40AD9D6}"/>
               </a:ext>
             </a:extLst>
           </p:cNvPr>
@@ -1526,7 +1527,7 @@
           <p:cNvPr id="3" name="Text Placeholder 2">
             <a:extLst>
               <a:ext uri="{FF2B5EF4-FFF2-40B4-BE49-F238E27FC236}">
-                <a16:creationId xmlns:a16="http://schemas.microsoft.com/office/drawing/2014/main" id="{E8D1830F-15B0-433F-966D-EB9AAE722728}"/>
+                <a16:creationId xmlns:a16="http://schemas.microsoft.com/office/drawing/2014/main" xmlns="" id="{E8D1830F-15B0-433F-966D-EB9AAE722728}"/>
               </a:ext>
             </a:extLst>
           </p:cNvPr>
@@ -1597,7 +1598,7 @@
           <p:cNvPr id="4" name="Content Placeholder 3">
             <a:extLst>
               <a:ext uri="{FF2B5EF4-FFF2-40B4-BE49-F238E27FC236}">
-                <a16:creationId xmlns:a16="http://schemas.microsoft.com/office/drawing/2014/main" id="{4FD6C733-0F0E-4662-92A3-89BC989E0442}"/>
+                <a16:creationId xmlns:a16="http://schemas.microsoft.com/office/drawing/2014/main" xmlns="" id="{4FD6C733-0F0E-4662-92A3-89BC989E0442}"/>
               </a:ext>
             </a:extLst>
           </p:cNvPr>
@@ -1659,7 +1660,7 @@
           <p:cNvPr id="5" name="Text Placeholder 4">
             <a:extLst>
               <a:ext uri="{FF2B5EF4-FFF2-40B4-BE49-F238E27FC236}">
-                <a16:creationId xmlns:a16="http://schemas.microsoft.com/office/drawing/2014/main" id="{9D35BCD9-1CFF-4743-A156-854C6A30C9D6}"/>
+                <a16:creationId xmlns:a16="http://schemas.microsoft.com/office/drawing/2014/main" xmlns="" id="{9D35BCD9-1CFF-4743-A156-854C6A30C9D6}"/>
               </a:ext>
             </a:extLst>
           </p:cNvPr>
@@ -1730,7 +1731,7 @@
           <p:cNvPr id="6" name="Content Placeholder 5">
             <a:extLst>
               <a:ext uri="{FF2B5EF4-FFF2-40B4-BE49-F238E27FC236}">
-                <a16:creationId xmlns:a16="http://schemas.microsoft.com/office/drawing/2014/main" id="{76DFF4AF-BD79-4BBB-8A90-C9ED2E4F584C}"/>
+                <a16:creationId xmlns:a16="http://schemas.microsoft.com/office/drawing/2014/main" xmlns="" id="{76DFF4AF-BD79-4BBB-8A90-C9ED2E4F584C}"/>
               </a:ext>
             </a:extLst>
           </p:cNvPr>
@@ -1792,7 +1793,7 @@
           <p:cNvPr id="7" name="Date Placeholder 6">
             <a:extLst>
               <a:ext uri="{FF2B5EF4-FFF2-40B4-BE49-F238E27FC236}">
-                <a16:creationId xmlns:a16="http://schemas.microsoft.com/office/drawing/2014/main" id="{717D6F86-C4A1-4770-A82D-54CA539FC6BB}"/>
+                <a16:creationId xmlns:a16="http://schemas.microsoft.com/office/drawing/2014/main" xmlns="" id="{717D6F86-C4A1-4770-A82D-54CA539FC6BB}"/>
               </a:ext>
             </a:extLst>
           </p:cNvPr>
@@ -1810,7 +1811,7 @@
           <a:p>
             <a:fld id="{11950F3C-52CE-4DA5-BBEA-F1D949C25EB6}" type="datetimeFigureOut">
               <a:rPr lang="en-US" smtClean="0"/>
-              <a:t>1/7/2019</a:t>
+              <a:t>1/6/19</a:t>
             </a:fld>
             <a:endParaRPr lang="en-US"/>
           </a:p>
@@ -1821,7 +1822,7 @@
           <p:cNvPr id="8" name="Footer Placeholder 7">
             <a:extLst>
               <a:ext uri="{FF2B5EF4-FFF2-40B4-BE49-F238E27FC236}">
-                <a16:creationId xmlns:a16="http://schemas.microsoft.com/office/drawing/2014/main" id="{58249AA6-B00D-446F-B981-F076ADD2C040}"/>
+                <a16:creationId xmlns:a16="http://schemas.microsoft.com/office/drawing/2014/main" xmlns="" id="{58249AA6-B00D-446F-B981-F076ADD2C040}"/>
               </a:ext>
             </a:extLst>
           </p:cNvPr>
@@ -1846,7 +1847,7 @@
           <p:cNvPr id="9" name="Slide Number Placeholder 8">
             <a:extLst>
               <a:ext uri="{FF2B5EF4-FFF2-40B4-BE49-F238E27FC236}">
-                <a16:creationId xmlns:a16="http://schemas.microsoft.com/office/drawing/2014/main" id="{1FBE03F8-7B1F-4640-9E2C-D379BA4144A8}"/>
+                <a16:creationId xmlns:a16="http://schemas.microsoft.com/office/drawing/2014/main" xmlns="" id="{1FBE03F8-7B1F-4640-9E2C-D379BA4144A8}"/>
               </a:ext>
             </a:extLst>
           </p:cNvPr>
@@ -1905,7 +1906,7 @@
           <p:cNvPr id="2" name="Title 1">
             <a:extLst>
               <a:ext uri="{FF2B5EF4-FFF2-40B4-BE49-F238E27FC236}">
-                <a16:creationId xmlns:a16="http://schemas.microsoft.com/office/drawing/2014/main" id="{EBAB44F9-409B-430D-BEBE-2A2B9D29515D}"/>
+                <a16:creationId xmlns:a16="http://schemas.microsoft.com/office/drawing/2014/main" xmlns="" id="{EBAB44F9-409B-430D-BEBE-2A2B9D29515D}"/>
               </a:ext>
             </a:extLst>
           </p:cNvPr>
@@ -1933,7 +1934,7 @@
           <p:cNvPr id="3" name="Date Placeholder 2">
             <a:extLst>
               <a:ext uri="{FF2B5EF4-FFF2-40B4-BE49-F238E27FC236}">
-                <a16:creationId xmlns:a16="http://schemas.microsoft.com/office/drawing/2014/main" id="{B448C63D-71C0-45B0-8AA7-343893DF4A51}"/>
+                <a16:creationId xmlns:a16="http://schemas.microsoft.com/office/drawing/2014/main" xmlns="" id="{B448C63D-71C0-45B0-8AA7-343893DF4A51}"/>
               </a:ext>
             </a:extLst>
           </p:cNvPr>
@@ -1951,7 +1952,7 @@
           <a:p>
             <a:fld id="{11950F3C-52CE-4DA5-BBEA-F1D949C25EB6}" type="datetimeFigureOut">
               <a:rPr lang="en-US" smtClean="0"/>
-              <a:t>1/7/2019</a:t>
+              <a:t>1/6/19</a:t>
             </a:fld>
             <a:endParaRPr lang="en-US"/>
           </a:p>
@@ -1962,7 +1963,7 @@
           <p:cNvPr id="4" name="Footer Placeholder 3">
             <a:extLst>
               <a:ext uri="{FF2B5EF4-FFF2-40B4-BE49-F238E27FC236}">
-                <a16:creationId xmlns:a16="http://schemas.microsoft.com/office/drawing/2014/main" id="{2829D4A8-E855-46BB-83A9-D2BA76D5DBA4}"/>
+                <a16:creationId xmlns:a16="http://schemas.microsoft.com/office/drawing/2014/main" xmlns="" id="{2829D4A8-E855-46BB-83A9-D2BA76D5DBA4}"/>
               </a:ext>
             </a:extLst>
           </p:cNvPr>
@@ -1987,7 +1988,7 @@
           <p:cNvPr id="5" name="Slide Number Placeholder 4">
             <a:extLst>
               <a:ext uri="{FF2B5EF4-FFF2-40B4-BE49-F238E27FC236}">
-                <a16:creationId xmlns:a16="http://schemas.microsoft.com/office/drawing/2014/main" id="{80628338-6E13-4193-857A-5643D679AA73}"/>
+                <a16:creationId xmlns:a16="http://schemas.microsoft.com/office/drawing/2014/main" xmlns="" id="{80628338-6E13-4193-857A-5643D679AA73}"/>
               </a:ext>
             </a:extLst>
           </p:cNvPr>
@@ -2046,7 +2047,7 @@
           <p:cNvPr id="2" name="Date Placeholder 1">
             <a:extLst>
               <a:ext uri="{FF2B5EF4-FFF2-40B4-BE49-F238E27FC236}">
-                <a16:creationId xmlns:a16="http://schemas.microsoft.com/office/drawing/2014/main" id="{B502EFD2-BBE1-4392-A3FC-1C1782534E28}"/>
+                <a16:creationId xmlns:a16="http://schemas.microsoft.com/office/drawing/2014/main" xmlns="" id="{B502EFD2-BBE1-4392-A3FC-1C1782534E28}"/>
               </a:ext>
             </a:extLst>
           </p:cNvPr>
@@ -2064,7 +2065,7 @@
           <a:p>
             <a:fld id="{11950F3C-52CE-4DA5-BBEA-F1D949C25EB6}" type="datetimeFigureOut">
               <a:rPr lang="en-US" smtClean="0"/>
-              <a:t>1/7/2019</a:t>
+              <a:t>1/6/19</a:t>
             </a:fld>
             <a:endParaRPr lang="en-US"/>
           </a:p>
@@ -2075,7 +2076,7 @@
           <p:cNvPr id="3" name="Footer Placeholder 2">
             <a:extLst>
               <a:ext uri="{FF2B5EF4-FFF2-40B4-BE49-F238E27FC236}">
-                <a16:creationId xmlns:a16="http://schemas.microsoft.com/office/drawing/2014/main" id="{56826711-F499-4DEB-BFFF-BE04E9A4F998}"/>
+                <a16:creationId xmlns:a16="http://schemas.microsoft.com/office/drawing/2014/main" xmlns="" id="{56826711-F499-4DEB-BFFF-BE04E9A4F998}"/>
               </a:ext>
             </a:extLst>
           </p:cNvPr>
@@ -2100,7 +2101,7 @@
           <p:cNvPr id="4" name="Slide Number Placeholder 3">
             <a:extLst>
               <a:ext uri="{FF2B5EF4-FFF2-40B4-BE49-F238E27FC236}">
-                <a16:creationId xmlns:a16="http://schemas.microsoft.com/office/drawing/2014/main" id="{AD0F8375-FAA2-4F8A-BB2F-50D6242A7A2D}"/>
+                <a16:creationId xmlns:a16="http://schemas.microsoft.com/office/drawing/2014/main" xmlns="" id="{AD0F8375-FAA2-4F8A-BB2F-50D6242A7A2D}"/>
               </a:ext>
             </a:extLst>
           </p:cNvPr>
@@ -2159,7 +2160,7 @@
           <p:cNvPr id="2" name="Title 1">
             <a:extLst>
               <a:ext uri="{FF2B5EF4-FFF2-40B4-BE49-F238E27FC236}">
-                <a16:creationId xmlns:a16="http://schemas.microsoft.com/office/drawing/2014/main" id="{BC2BFEA4-72D0-4FF1-AB7F-11177F2D490F}"/>
+                <a16:creationId xmlns:a16="http://schemas.microsoft.com/office/drawing/2014/main" xmlns="" id="{BC2BFEA4-72D0-4FF1-AB7F-11177F2D490F}"/>
               </a:ext>
             </a:extLst>
           </p:cNvPr>
@@ -2196,7 +2197,7 @@
           <p:cNvPr id="3" name="Content Placeholder 2">
             <a:extLst>
               <a:ext uri="{FF2B5EF4-FFF2-40B4-BE49-F238E27FC236}">
-                <a16:creationId xmlns:a16="http://schemas.microsoft.com/office/drawing/2014/main" id="{D8309F10-5BCA-4EEF-9C58-EA17A37FDCEB}"/>
+                <a16:creationId xmlns:a16="http://schemas.microsoft.com/office/drawing/2014/main" xmlns="" id="{D8309F10-5BCA-4EEF-9C58-EA17A37FDCEB}"/>
               </a:ext>
             </a:extLst>
           </p:cNvPr>
@@ -2286,7 +2287,7 @@
           <p:cNvPr id="4" name="Text Placeholder 3">
             <a:extLst>
               <a:ext uri="{FF2B5EF4-FFF2-40B4-BE49-F238E27FC236}">
-                <a16:creationId xmlns:a16="http://schemas.microsoft.com/office/drawing/2014/main" id="{00C7FE1C-E4FE-477A-AE77-7FBCF116A242}"/>
+                <a16:creationId xmlns:a16="http://schemas.microsoft.com/office/drawing/2014/main" xmlns="" id="{00C7FE1C-E4FE-477A-AE77-7FBCF116A242}"/>
               </a:ext>
             </a:extLst>
           </p:cNvPr>
@@ -2357,7 +2358,7 @@
           <p:cNvPr id="5" name="Date Placeholder 4">
             <a:extLst>
               <a:ext uri="{FF2B5EF4-FFF2-40B4-BE49-F238E27FC236}">
-                <a16:creationId xmlns:a16="http://schemas.microsoft.com/office/drawing/2014/main" id="{E93646D4-87A0-4952-B9C1-111947E24B02}"/>
+                <a16:creationId xmlns:a16="http://schemas.microsoft.com/office/drawing/2014/main" xmlns="" id="{E93646D4-87A0-4952-B9C1-111947E24B02}"/>
               </a:ext>
             </a:extLst>
           </p:cNvPr>
@@ -2375,7 +2376,7 @@
           <a:p>
             <a:fld id="{11950F3C-52CE-4DA5-BBEA-F1D949C25EB6}" type="datetimeFigureOut">
               <a:rPr lang="en-US" smtClean="0"/>
-              <a:t>1/7/2019</a:t>
+              <a:t>1/6/19</a:t>
             </a:fld>
             <a:endParaRPr lang="en-US"/>
           </a:p>
@@ -2386,7 +2387,7 @@
           <p:cNvPr id="6" name="Footer Placeholder 5">
             <a:extLst>
               <a:ext uri="{FF2B5EF4-FFF2-40B4-BE49-F238E27FC236}">
-                <a16:creationId xmlns:a16="http://schemas.microsoft.com/office/drawing/2014/main" id="{4862E430-E1B1-4240-8B61-857597254DA2}"/>
+                <a16:creationId xmlns:a16="http://schemas.microsoft.com/office/drawing/2014/main" xmlns="" id="{4862E430-E1B1-4240-8B61-857597254DA2}"/>
               </a:ext>
             </a:extLst>
           </p:cNvPr>
@@ -2411,7 +2412,7 @@
           <p:cNvPr id="7" name="Slide Number Placeholder 6">
             <a:extLst>
               <a:ext uri="{FF2B5EF4-FFF2-40B4-BE49-F238E27FC236}">
-                <a16:creationId xmlns:a16="http://schemas.microsoft.com/office/drawing/2014/main" id="{4A62AA89-BF80-4A91-B1F5-70A8480C5448}"/>
+                <a16:creationId xmlns:a16="http://schemas.microsoft.com/office/drawing/2014/main" xmlns="" id="{4A62AA89-BF80-4A91-B1F5-70A8480C5448}"/>
               </a:ext>
             </a:extLst>
           </p:cNvPr>
@@ -2470,7 +2471,7 @@
           <p:cNvPr id="2" name="Title 1">
             <a:extLst>
               <a:ext uri="{FF2B5EF4-FFF2-40B4-BE49-F238E27FC236}">
-                <a16:creationId xmlns:a16="http://schemas.microsoft.com/office/drawing/2014/main" id="{73DCE957-4E66-4E61-BB0E-B48FB6BA5E44}"/>
+                <a16:creationId xmlns:a16="http://schemas.microsoft.com/office/drawing/2014/main" xmlns="" id="{73DCE957-4E66-4E61-BB0E-B48FB6BA5E44}"/>
               </a:ext>
             </a:extLst>
           </p:cNvPr>
@@ -2507,7 +2508,7 @@
           <p:cNvPr id="3" name="Picture Placeholder 2">
             <a:extLst>
               <a:ext uri="{FF2B5EF4-FFF2-40B4-BE49-F238E27FC236}">
-                <a16:creationId xmlns:a16="http://schemas.microsoft.com/office/drawing/2014/main" id="{B31DA048-5277-488F-BC27-83E38F130EEB}"/>
+                <a16:creationId xmlns:a16="http://schemas.microsoft.com/office/drawing/2014/main" xmlns="" id="{B31DA048-5277-488F-BC27-83E38F130EEB}"/>
               </a:ext>
             </a:extLst>
           </p:cNvPr>
@@ -2574,7 +2575,7 @@
           <p:cNvPr id="4" name="Text Placeholder 3">
             <a:extLst>
               <a:ext uri="{FF2B5EF4-FFF2-40B4-BE49-F238E27FC236}">
-                <a16:creationId xmlns:a16="http://schemas.microsoft.com/office/drawing/2014/main" id="{8A01C6FD-16A5-4B75-982F-D888B67854A1}"/>
+                <a16:creationId xmlns:a16="http://schemas.microsoft.com/office/drawing/2014/main" xmlns="" id="{8A01C6FD-16A5-4B75-982F-D888B67854A1}"/>
               </a:ext>
             </a:extLst>
           </p:cNvPr>
@@ -2645,7 +2646,7 @@
           <p:cNvPr id="5" name="Date Placeholder 4">
             <a:extLst>
               <a:ext uri="{FF2B5EF4-FFF2-40B4-BE49-F238E27FC236}">
-                <a16:creationId xmlns:a16="http://schemas.microsoft.com/office/drawing/2014/main" id="{4ABF8EA7-F577-4843-8AD3-59A229AEC2C0}"/>
+                <a16:creationId xmlns:a16="http://schemas.microsoft.com/office/drawing/2014/main" xmlns="" id="{4ABF8EA7-F577-4843-8AD3-59A229AEC2C0}"/>
               </a:ext>
             </a:extLst>
           </p:cNvPr>
@@ -2663,7 +2664,7 @@
           <a:p>
             <a:fld id="{11950F3C-52CE-4DA5-BBEA-F1D949C25EB6}" type="datetimeFigureOut">
               <a:rPr lang="en-US" smtClean="0"/>
-              <a:t>1/7/2019</a:t>
+              <a:t>1/6/19</a:t>
             </a:fld>
             <a:endParaRPr lang="en-US"/>
           </a:p>
@@ -2674,7 +2675,7 @@
           <p:cNvPr id="6" name="Footer Placeholder 5">
             <a:extLst>
               <a:ext uri="{FF2B5EF4-FFF2-40B4-BE49-F238E27FC236}">
-                <a16:creationId xmlns:a16="http://schemas.microsoft.com/office/drawing/2014/main" id="{FC34EB57-3E52-4C50-8BD2-667E3402BC25}"/>
+                <a16:creationId xmlns:a16="http://schemas.microsoft.com/office/drawing/2014/main" xmlns="" id="{FC34EB57-3E52-4C50-8BD2-667E3402BC25}"/>
               </a:ext>
             </a:extLst>
           </p:cNvPr>
@@ -2699,7 +2700,7 @@
           <p:cNvPr id="7" name="Slide Number Placeholder 6">
             <a:extLst>
               <a:ext uri="{FF2B5EF4-FFF2-40B4-BE49-F238E27FC236}">
-                <a16:creationId xmlns:a16="http://schemas.microsoft.com/office/drawing/2014/main" id="{13660B97-CCEC-4C46-9D95-055CBD92F406}"/>
+                <a16:creationId xmlns:a16="http://schemas.microsoft.com/office/drawing/2014/main" xmlns="" id="{13660B97-CCEC-4C46-9D95-055CBD92F406}"/>
               </a:ext>
             </a:extLst>
           </p:cNvPr>
@@ -2763,7 +2764,7 @@
           <p:cNvPr id="2" name="Title Placeholder 1">
             <a:extLst>
               <a:ext uri="{FF2B5EF4-FFF2-40B4-BE49-F238E27FC236}">
-                <a16:creationId xmlns:a16="http://schemas.microsoft.com/office/drawing/2014/main" id="{B3C28885-1B3B-4825-9D62-4A248166C903}"/>
+                <a16:creationId xmlns:a16="http://schemas.microsoft.com/office/drawing/2014/main" xmlns="" id="{B3C28885-1B3B-4825-9D62-4A248166C903}"/>
               </a:ext>
             </a:extLst>
           </p:cNvPr>
@@ -2801,7 +2802,7 @@
           <p:cNvPr id="3" name="Text Placeholder 2">
             <a:extLst>
               <a:ext uri="{FF2B5EF4-FFF2-40B4-BE49-F238E27FC236}">
-                <a16:creationId xmlns:a16="http://schemas.microsoft.com/office/drawing/2014/main" id="{94E62727-9C89-472C-BDD0-FE609C4F9EBC}"/>
+                <a16:creationId xmlns:a16="http://schemas.microsoft.com/office/drawing/2014/main" xmlns="" id="{94E62727-9C89-472C-BDD0-FE609C4F9EBC}"/>
               </a:ext>
             </a:extLst>
           </p:cNvPr>
@@ -2868,7 +2869,7 @@
           <p:cNvPr id="4" name="Date Placeholder 3">
             <a:extLst>
               <a:ext uri="{FF2B5EF4-FFF2-40B4-BE49-F238E27FC236}">
-                <a16:creationId xmlns:a16="http://schemas.microsoft.com/office/drawing/2014/main" id="{2B2881F5-2C61-4790-A378-9C3BD108331A}"/>
+                <a16:creationId xmlns:a16="http://schemas.microsoft.com/office/drawing/2014/main" xmlns="" id="{2B2881F5-2C61-4790-A378-9C3BD108331A}"/>
               </a:ext>
             </a:extLst>
           </p:cNvPr>
@@ -2904,7 +2905,7 @@
           <a:p>
             <a:fld id="{11950F3C-52CE-4DA5-BBEA-F1D949C25EB6}" type="datetimeFigureOut">
               <a:rPr lang="en-US" smtClean="0"/>
-              <a:t>1/7/2019</a:t>
+              <a:t>1/6/19</a:t>
             </a:fld>
             <a:endParaRPr lang="en-US"/>
           </a:p>
@@ -2915,7 +2916,7 @@
           <p:cNvPr id="5" name="Footer Placeholder 4">
             <a:extLst>
               <a:ext uri="{FF2B5EF4-FFF2-40B4-BE49-F238E27FC236}">
-                <a16:creationId xmlns:a16="http://schemas.microsoft.com/office/drawing/2014/main" id="{EDC2328F-9D8C-4E19-B1D0-44955A7AF0F6}"/>
+                <a16:creationId xmlns:a16="http://schemas.microsoft.com/office/drawing/2014/main" xmlns="" id="{EDC2328F-9D8C-4E19-B1D0-44955A7AF0F6}"/>
               </a:ext>
             </a:extLst>
           </p:cNvPr>
@@ -2958,7 +2959,7 @@
           <p:cNvPr id="6" name="Slide Number Placeholder 5">
             <a:extLst>
               <a:ext uri="{FF2B5EF4-FFF2-40B4-BE49-F238E27FC236}">
-                <a16:creationId xmlns:a16="http://schemas.microsoft.com/office/drawing/2014/main" id="{AB824BF7-5FC1-4CB0-BB10-99BB68A4A14C}"/>
+                <a16:creationId xmlns:a16="http://schemas.microsoft.com/office/drawing/2014/main" xmlns="" id="{AB824BF7-5FC1-4CB0-BB10-99BB68A4A14C}"/>
               </a:ext>
             </a:extLst>
           </p:cNvPr>
@@ -3326,7 +3327,7 @@
           <p:cNvPr id="2" name="Title 1">
             <a:extLst>
               <a:ext uri="{FF2B5EF4-FFF2-40B4-BE49-F238E27FC236}">
-                <a16:creationId xmlns:a16="http://schemas.microsoft.com/office/drawing/2014/main" id="{6C6D6F1B-CD07-4F25-8D3D-05F0B69C8DAC}"/>
+                <a16:creationId xmlns:a16="http://schemas.microsoft.com/office/drawing/2014/main" xmlns="" id="{6C6D6F1B-CD07-4F25-8D3D-05F0B69C8DAC}"/>
               </a:ext>
             </a:extLst>
           </p:cNvPr>
@@ -3354,7 +3355,7 @@
           <p:cNvPr id="3" name="Subtitle 2">
             <a:extLst>
               <a:ext uri="{FF2B5EF4-FFF2-40B4-BE49-F238E27FC236}">
-                <a16:creationId xmlns:a16="http://schemas.microsoft.com/office/drawing/2014/main" id="{C288B6DB-7C47-41CD-8AB0-00DBB5D6ABC5}"/>
+                <a16:creationId xmlns:a16="http://schemas.microsoft.com/office/drawing/2014/main" xmlns="" id="{C288B6DB-7C47-41CD-8AB0-00DBB5D6ABC5}"/>
               </a:ext>
             </a:extLst>
           </p:cNvPr>
@@ -3370,7 +3371,15 @@
           <a:bodyPr/>
           <a:lstStyle/>
           <a:p>
-            <a:endParaRPr lang="en-US"/>
+            <a:r>
+              <a:rPr lang="en-US" dirty="0" smtClean="0"/>
+              <a:t>Edit from </a:t>
+            </a:r>
+            <a:r>
+              <a:rPr lang="en-US" dirty="0" err="1" smtClean="0"/>
+              <a:t>laptiop</a:t>
+            </a:r>
+            <a:endParaRPr lang="en-US" dirty="0"/>
           </a:p>
         </p:txBody>
       </p:sp>
@@ -3379,7 +3388,7 @@
           <p:cNvPr id="4" name="Picture 3">
             <a:extLst>
               <a:ext uri="{FF2B5EF4-FFF2-40B4-BE49-F238E27FC236}">
-                <a16:creationId xmlns:a16="http://schemas.microsoft.com/office/drawing/2014/main" id="{C852BA01-79B5-4FBA-8FB2-FDCCC18EDEB5}"/>
+                <a16:creationId xmlns:a16="http://schemas.microsoft.com/office/drawing/2014/main" xmlns="" id="{C852BA01-79B5-4FBA-8FB2-FDCCC18EDEB5}"/>
               </a:ext>
             </a:extLst>
           </p:cNvPr>
@@ -3414,6 +3423,116 @@
     <p:extLst>
       <p:ext uri="{BB962C8B-B14F-4D97-AF65-F5344CB8AC3E}">
         <p14:creationId xmlns:p14="http://schemas.microsoft.com/office/powerpoint/2010/main" val="1763731925"/>
+      </p:ext>
+    </p:extLst>
+  </p:cSld>
+  <p:clrMapOvr>
+    <a:masterClrMapping/>
+  </p:clrMapOvr>
+</p:sld>
+</file>
+
+<file path=ppt/slides/slide2.xml><?xml version="1.0" encoding="utf-8"?>
+<p:sld xmlns:a="http://schemas.openxmlformats.org/drawingml/2006/main" xmlns:r="http://schemas.openxmlformats.org/officeDocument/2006/relationships" xmlns:p="http://schemas.openxmlformats.org/presentationml/2006/main">
+  <p:cSld>
+    <p:spTree>
+      <p:nvGrpSpPr>
+        <p:cNvPr id="1" name=""/>
+        <p:cNvGrpSpPr/>
+        <p:nvPr/>
+      </p:nvGrpSpPr>
+      <p:grpSpPr>
+        <a:xfrm>
+          <a:off x="0" y="0"/>
+          <a:ext cx="0" cy="0"/>
+          <a:chOff x="0" y="0"/>
+          <a:chExt cx="0" cy="0"/>
+        </a:xfrm>
+      </p:grpSpPr>
+      <p:graphicFrame>
+        <p:nvGraphicFramePr>
+          <p:cNvPr id="2" name="Table 1"/>
+          <p:cNvGraphicFramePr>
+            <a:graphicFrameLocks noGrp="1"/>
+          </p:cNvGraphicFramePr>
+          <p:nvPr>
+            <p:extLst>
+              <p:ext uri="{D42A27DB-BD31-4B8C-83A1-F6EECF244321}">
+                <p14:modId xmlns:p14="http://schemas.microsoft.com/office/powerpoint/2010/main" val="154184247"/>
+              </p:ext>
+            </p:extLst>
+          </p:nvPr>
+        </p:nvGraphicFramePr>
+        <p:xfrm>
+          <a:off x="2032000" y="719666"/>
+          <a:ext cx="8128000" cy="741680"/>
+        </p:xfrm>
+        <a:graphic>
+          <a:graphicData uri="http://schemas.openxmlformats.org/drawingml/2006/table">
+            <a:tbl>
+              <a:tblPr firstRow="1" bandRow="1">
+                <a:tableStyleId>{2D5ABB26-0587-4C30-8999-92F81FD0307C}</a:tableStyleId>
+              </a:tblPr>
+              <a:tblGrid>
+                <a:gridCol w="4064000"/>
+                <a:gridCol w="4064000"/>
+              </a:tblGrid>
+              <a:tr h="370840">
+                <a:tc>
+                  <a:txBody>
+                    <a:bodyPr/>
+                    <a:lstStyle/>
+                    <a:p>
+                      <a:r>
+                        <a:rPr lang="en-US" dirty="0" err="1" smtClean="0"/>
+                        <a:t>dfds</a:t>
+                      </a:r>
+                      <a:endParaRPr lang="en-US" dirty="0"/>
+                    </a:p>
+                  </a:txBody>
+                  <a:tcPr/>
+                </a:tc>
+                <a:tc>
+                  <a:txBody>
+                    <a:bodyPr/>
+                    <a:lstStyle/>
+                    <a:p>
+                      <a:endParaRPr lang="en-US"/>
+                    </a:p>
+                  </a:txBody>
+                  <a:tcPr/>
+                </a:tc>
+              </a:tr>
+              <a:tr h="370840">
+                <a:tc>
+                  <a:txBody>
+                    <a:bodyPr/>
+                    <a:lstStyle/>
+                    <a:p>
+                      <a:endParaRPr lang="en-US"/>
+                    </a:p>
+                  </a:txBody>
+                  <a:tcPr/>
+                </a:tc>
+                <a:tc>
+                  <a:txBody>
+                    <a:bodyPr/>
+                    <a:lstStyle/>
+                    <a:p>
+                      <a:endParaRPr lang="en-US" dirty="0"/>
+                    </a:p>
+                  </a:txBody>
+                  <a:tcPr/>
+                </a:tc>
+              </a:tr>
+            </a:tbl>
+          </a:graphicData>
+        </a:graphic>
+      </p:graphicFrame>
+    </p:spTree>
+    <p:extLst>
+      <p:ext uri="{BB962C8B-B14F-4D97-AF65-F5344CB8AC3E}">
+        <p14:creationId xmlns:p14="http://schemas.microsoft.com/office/powerpoint/2010/main" val="2928252822"/>
       </p:ext>
     </p:extLst>
   </p:cSld>
@@ -3466,7 +3585,7 @@
     </a:clrScheme>
     <a:fontScheme name="Office">
       <a:majorFont>
-        <a:latin typeface="Calibri Light" panose="020F0302020204030204"/>
+        <a:latin typeface="Calibri Light"/>
         <a:ea typeface=""/>
         <a:cs typeface=""/>
         <a:font script="Jpan" typeface="游ゴシック Light"/>
@@ -3518,7 +3637,7 @@
         <a:font script="Tfng" typeface="Ebrima"/>
       </a:majorFont>
       <a:minorFont>
-        <a:latin typeface="Calibri" panose="020F0502020204030204"/>
+        <a:latin typeface="Calibri"/>
         <a:ea typeface=""/>
         <a:cs typeface=""/>
         <a:font script="Jpan" typeface="游ゴシック"/>
@@ -3712,7 +3831,7 @@
   <a:extraClrSchemeLst/>
   <a:extLst>
     <a:ext uri="{05A4C25C-085E-4340-85A3-A5531E510DB2}">
-      <thm15:themeFamily xmlns:thm15="http://schemas.microsoft.com/office/thememl/2012/main" name="Office Theme" id="{62F939B6-93AF-4DB8-9C6B-D6C7DFDC589F}" vid="{4A3C46E8-61CC-4603-A589-7422A47A8E4A}"/>
+      <thm15:themeFamily xmlns:thm15="http://schemas.microsoft.com/office/thememl/2012/main" xmlns="" name="Office Theme" id="{62F939B6-93AF-4DB8-9C6B-D6C7DFDC589F}" vid="{4A3C46E8-61CC-4603-A589-7422A47A8E4A}"/>
     </a:ext>
   </a:extLst>
 </a:theme>
